--- a/src/Docs/Диплом.pptx
+++ b/src/Docs/Диплом.pptx
@@ -260,6 +260,11 @@
       </a:defRPr>
     </a:lvl9pPr>
   </p:defaultTextStyle>
+  <p:extLst>
+    <p:ext uri="{EFAFB233-063F-42B5-8137-9DF3F51BA10A}">
+      <p15:sldGuideLst xmlns:p15="http://schemas.microsoft.com/office/powerpoint/2012/main"/>
+    </p:ext>
+  </p:extLst>
 </p:presentation>
 </file>
 
@@ -43130,8 +43135,8 @@
         </p:nvSpPr>
         <p:spPr>
           <a:xfrm>
-            <a:off x="720000" y="591293"/>
-            <a:ext cx="6569700" cy="565357"/>
+            <a:off x="720000" y="519663"/>
+            <a:ext cx="6569700" cy="421481"/>
           </a:xfrm>
           <a:prstGeom prst="rect">
             <a:avLst/>
@@ -43153,10 +43158,10 @@
               <a:buNone/>
             </a:pPr>
             <a:r>
-              <a:rPr lang="uk-UA" sz="2000" dirty="0"/>
+              <a:rPr lang="uk-UA" sz="1800" dirty="0"/>
               <a:t>Архітектура гри</a:t>
             </a:r>
-            <a:endParaRPr sz="2000" dirty="0">
+            <a:endParaRPr sz="1800" dirty="0">
               <a:solidFill>
                 <a:schemeClr val="dk1"/>
               </a:solidFill>
@@ -44216,10 +44221,10 @@
       </p:grpSp>
       <p:pic>
         <p:nvPicPr>
-          <p:cNvPr id="3" name="Рисунок 2">
+          <p:cNvPr id="14" name="Рисунок 13">
             <a:extLst>
               <a:ext uri="{FF2B5EF4-FFF2-40B4-BE49-F238E27FC236}">
-                <a16:creationId xmlns:a16="http://schemas.microsoft.com/office/drawing/2014/main" id="{D823CC73-2B5D-8E82-9931-EA82E75C9835}"/>
+                <a16:creationId xmlns:a16="http://schemas.microsoft.com/office/drawing/2014/main" id="{EBA31969-0B63-B758-7FA3-8A8E30B6227A}"/>
               </a:ext>
             </a:extLst>
           </p:cNvPr>
@@ -44236,8 +44241,8 @@
         </p:blipFill>
         <p:spPr>
           <a:xfrm>
-            <a:off x="1129119" y="1220944"/>
-            <a:ext cx="5471781" cy="3381628"/>
+            <a:off x="593347" y="1028700"/>
+            <a:ext cx="6573126" cy="3597267"/>
           </a:xfrm>
           <a:prstGeom prst="rect">
             <a:avLst/>

--- a/src/Docs/Диплом.pptx
+++ b/src/Docs/Диплом.pptx
@@ -44221,10 +44221,10 @@
       </p:grpSp>
       <p:pic>
         <p:nvPicPr>
-          <p:cNvPr id="14" name="Рисунок 13">
+          <p:cNvPr id="3" name="Рисунок 2">
             <a:extLst>
               <a:ext uri="{FF2B5EF4-FFF2-40B4-BE49-F238E27FC236}">
-                <a16:creationId xmlns:a16="http://schemas.microsoft.com/office/drawing/2014/main" id="{EBA31969-0B63-B758-7FA3-8A8E30B6227A}"/>
+                <a16:creationId xmlns:a16="http://schemas.microsoft.com/office/drawing/2014/main" id="{8763A9D0-C3EF-8D99-A6AD-E9AC7B28E931}"/>
               </a:ext>
             </a:extLst>
           </p:cNvPr>
@@ -44241,8 +44241,8 @@
         </p:blipFill>
         <p:spPr>
           <a:xfrm>
-            <a:off x="593347" y="1028700"/>
-            <a:ext cx="6573126" cy="3597267"/>
+            <a:off x="720000" y="1151147"/>
+            <a:ext cx="6297130" cy="3446711"/>
           </a:xfrm>
           <a:prstGeom prst="rect">
             <a:avLst/>

--- a/src/Docs/Диплом.pptx
+++ b/src/Docs/Диплом.pptx
@@ -34471,8 +34471,8 @@
         </p:nvSpPr>
         <p:spPr>
           <a:xfrm>
-            <a:off x="825075" y="3845483"/>
-            <a:ext cx="5831100" cy="463500"/>
+            <a:off x="804975" y="3657207"/>
+            <a:ext cx="5831100" cy="830997"/>
           </a:xfrm>
           <a:prstGeom prst="rect">
             <a:avLst/>
@@ -34495,7 +34495,37 @@
             </a:pPr>
             <a:r>
               <a:rPr lang="uk-UA" dirty="0"/>
-              <a:t>Студент 4-го курсу групи ПЗ-21-1 Гуненко Ярослав</a:t>
+              <a:t>Студент 4-го курсу </a:t>
+            </a:r>
+          </a:p>
+          <a:p>
+            <a:pPr marL="0" lvl="0" indent="0" algn="l" rtl="0">
+              <a:spcBef>
+                <a:spcPts val="0"/>
+              </a:spcBef>
+              <a:spcAft>
+                <a:spcPts val="0"/>
+              </a:spcAft>
+              <a:buNone/>
+            </a:pPr>
+            <a:r>
+              <a:rPr lang="uk-UA" dirty="0"/>
+              <a:t>групи ПЗ-21-1 </a:t>
+            </a:r>
+          </a:p>
+          <a:p>
+            <a:pPr marL="0" lvl="0" indent="0" algn="l" rtl="0">
+              <a:spcBef>
+                <a:spcPts val="0"/>
+              </a:spcBef>
+              <a:spcAft>
+                <a:spcPts val="0"/>
+              </a:spcAft>
+              <a:buNone/>
+            </a:pPr>
+            <a:r>
+              <a:rPr lang="uk-UA" dirty="0"/>
+              <a:t>Гуненко Ярослав</a:t>
             </a:r>
             <a:endParaRPr dirty="0"/>
           </a:p>
